--- a/Slides/Data Innovation Challenge.pptx
+++ b/Slides/Data Innovation Challenge.pptx
@@ -6,8 +6,19 @@
   </p:sldMasterIdLst>
   <p:sldIdLst>
     <p:sldId id="256" r:id="rId2"/>
-    <p:sldId id="258" r:id="rId3"/>
-    <p:sldId id="257" r:id="rId4"/>
+    <p:sldId id="267" r:id="rId3"/>
+    <p:sldId id="265" r:id="rId4"/>
+    <p:sldId id="266" r:id="rId5"/>
+    <p:sldId id="268" r:id="rId6"/>
+    <p:sldId id="264" r:id="rId7"/>
+    <p:sldId id="258" r:id="rId8"/>
+    <p:sldId id="257" r:id="rId9"/>
+    <p:sldId id="261" r:id="rId10"/>
+    <p:sldId id="260" r:id="rId11"/>
+    <p:sldId id="259" r:id="rId12"/>
+    <p:sldId id="269" r:id="rId13"/>
+    <p:sldId id="262" r:id="rId14"/>
+    <p:sldId id="263" r:id="rId15"/>
   </p:sldIdLst>
   <p:sldSz cx="9144000" cy="6858000" type="screen4x3"/>
   <p:notesSz cx="6858000" cy="9144000"/>
@@ -282,7 +293,7 @@
           <a:p>
             <a:fld id="{8D21709C-C16E-44B3-A8B9-697726742CEE}" type="datetimeFigureOut">
               <a:rPr lang="en-SG" smtClean="0"/>
-              <a:t>4/5/2014</a:t>
+              <a:t>5/5/2014</a:t>
             </a:fld>
             <a:endParaRPr lang="en-SG"/>
           </a:p>
@@ -447,7 +458,7 @@
           <a:p>
             <a:fld id="{8D21709C-C16E-44B3-A8B9-697726742CEE}" type="datetimeFigureOut">
               <a:rPr lang="en-SG" smtClean="0"/>
-              <a:t>4/5/2014</a:t>
+              <a:t>5/5/2014</a:t>
             </a:fld>
             <a:endParaRPr lang="en-SG"/>
           </a:p>
@@ -622,7 +633,7 @@
           <a:p>
             <a:fld id="{8D21709C-C16E-44B3-A8B9-697726742CEE}" type="datetimeFigureOut">
               <a:rPr lang="en-SG" smtClean="0"/>
-              <a:t>4/5/2014</a:t>
+              <a:t>5/5/2014</a:t>
             </a:fld>
             <a:endParaRPr lang="en-SG"/>
           </a:p>
@@ -787,7 +798,7 @@
           <a:p>
             <a:fld id="{8D21709C-C16E-44B3-A8B9-697726742CEE}" type="datetimeFigureOut">
               <a:rPr lang="en-SG" smtClean="0"/>
-              <a:t>4/5/2014</a:t>
+              <a:t>5/5/2014</a:t>
             </a:fld>
             <a:endParaRPr lang="en-SG"/>
           </a:p>
@@ -1029,7 +1040,7 @@
           <a:p>
             <a:fld id="{8D21709C-C16E-44B3-A8B9-697726742CEE}" type="datetimeFigureOut">
               <a:rPr lang="en-SG" smtClean="0"/>
-              <a:t>4/5/2014</a:t>
+              <a:t>5/5/2014</a:t>
             </a:fld>
             <a:endParaRPr lang="en-SG"/>
           </a:p>
@@ -1293,7 +1304,7 @@
           <a:p>
             <a:fld id="{8D21709C-C16E-44B3-A8B9-697726742CEE}" type="datetimeFigureOut">
               <a:rPr lang="en-SG" smtClean="0"/>
-              <a:t>4/5/2014</a:t>
+              <a:t>5/5/2014</a:t>
             </a:fld>
             <a:endParaRPr lang="en-SG"/>
           </a:p>
@@ -1671,7 +1682,7 @@
           <a:p>
             <a:fld id="{8D21709C-C16E-44B3-A8B9-697726742CEE}" type="datetimeFigureOut">
               <a:rPr lang="en-SG" smtClean="0"/>
-              <a:t>4/5/2014</a:t>
+              <a:t>5/5/2014</a:t>
             </a:fld>
             <a:endParaRPr lang="en-SG"/>
           </a:p>
@@ -1821,7 +1832,7 @@
           <a:p>
             <a:fld id="{8D21709C-C16E-44B3-A8B9-697726742CEE}" type="datetimeFigureOut">
               <a:rPr lang="en-SG" smtClean="0"/>
-              <a:t>4/5/2014</a:t>
+              <a:t>5/5/2014</a:t>
             </a:fld>
             <a:endParaRPr lang="en-SG"/>
           </a:p>
@@ -1911,7 +1922,7 @@
           <a:p>
             <a:fld id="{8D21709C-C16E-44B3-A8B9-697726742CEE}" type="datetimeFigureOut">
               <a:rPr lang="en-SG" smtClean="0"/>
-              <a:t>4/5/2014</a:t>
+              <a:t>5/5/2014</a:t>
             </a:fld>
             <a:endParaRPr lang="en-SG"/>
           </a:p>
@@ -2172,7 +2183,7 @@
           <a:p>
             <a:fld id="{8D21709C-C16E-44B3-A8B9-697726742CEE}" type="datetimeFigureOut">
               <a:rPr lang="en-SG" smtClean="0"/>
-              <a:t>4/5/2014</a:t>
+              <a:t>5/5/2014</a:t>
             </a:fld>
             <a:endParaRPr lang="en-SG"/>
           </a:p>
@@ -2460,7 +2471,7 @@
           <a:p>
             <a:fld id="{8D21709C-C16E-44B3-A8B9-697726742CEE}" type="datetimeFigureOut">
               <a:rPr lang="en-SG" smtClean="0"/>
-              <a:t>4/5/2014</a:t>
+              <a:t>5/5/2014</a:t>
             </a:fld>
             <a:endParaRPr lang="en-SG"/>
           </a:p>
@@ -3231,7 +3242,7 @@
           <a:p>
             <a:fld id="{8D21709C-C16E-44B3-A8B9-697726742CEE}" type="datetimeFigureOut">
               <a:rPr lang="en-SG" smtClean="0"/>
-              <a:t>4/5/2014</a:t>
+              <a:t>5/5/2014</a:t>
             </a:fld>
             <a:endParaRPr lang="en-SG"/>
           </a:p>
@@ -3959,7 +3970,1127 @@
 </p:sld>
 </file>
 
+<file path=ppt/slides/slide10.xml><?xml version="1.0" encoding="utf-8"?>
+<p:sld xmlns:a="http://schemas.openxmlformats.org/drawingml/2006/main" xmlns:r="http://schemas.openxmlformats.org/officeDocument/2006/relationships" xmlns:p="http://schemas.openxmlformats.org/presentationml/2006/main">
+  <p:cSld>
+    <p:spTree>
+      <p:nvGrpSpPr>
+        <p:cNvPr id="1" name=""/>
+        <p:cNvGrpSpPr/>
+        <p:nvPr/>
+      </p:nvGrpSpPr>
+      <p:grpSpPr>
+        <a:xfrm>
+          <a:off x="0" y="0"/>
+          <a:ext cx="0" cy="0"/>
+          <a:chOff x="0" y="0"/>
+          <a:chExt cx="0" cy="0"/>
+        </a:xfrm>
+      </p:grpSpPr>
+      <p:pic>
+        <p:nvPicPr>
+          <p:cNvPr id="2" name="Picture 1"/>
+          <p:cNvPicPr>
+            <a:picLocks noChangeAspect="1"/>
+          </p:cNvPicPr>
+          <p:nvPr/>
+        </p:nvPicPr>
+        <p:blipFill>
+          <a:blip r:embed="rId2">
+            <a:extLst>
+              <a:ext uri="{28A0092B-C50C-407E-A947-70E740481C1C}">
+                <a14:useLocalDpi xmlns:a14="http://schemas.microsoft.com/office/drawing/2010/main" val="0"/>
+              </a:ext>
+            </a:extLst>
+          </a:blip>
+          <a:stretch>
+            <a:fillRect/>
+          </a:stretch>
+        </p:blipFill>
+        <p:spPr>
+          <a:xfrm>
+            <a:off x="0" y="0"/>
+            <a:ext cx="9144000" cy="6858000"/>
+          </a:xfrm>
+          <a:prstGeom prst="rect">
+            <a:avLst/>
+          </a:prstGeom>
+        </p:spPr>
+      </p:pic>
+    </p:spTree>
+    <p:extLst>
+      <p:ext uri="{BB962C8B-B14F-4D97-AF65-F5344CB8AC3E}">
+        <p14:creationId xmlns:p14="http://schemas.microsoft.com/office/powerpoint/2010/main" val="3009554200"/>
+      </p:ext>
+    </p:extLst>
+  </p:cSld>
+  <p:clrMapOvr>
+    <a:masterClrMapping/>
+  </p:clrMapOvr>
+  <p:timing>
+    <p:tnLst>
+      <p:par>
+        <p:cTn id="1" dur="indefinite" restart="never" nodeType="tmRoot"/>
+      </p:par>
+    </p:tnLst>
+  </p:timing>
+</p:sld>
+</file>
+
+<file path=ppt/slides/slide11.xml><?xml version="1.0" encoding="utf-8"?>
+<p:sld xmlns:a="http://schemas.openxmlformats.org/drawingml/2006/main" xmlns:r="http://schemas.openxmlformats.org/officeDocument/2006/relationships" xmlns:p="http://schemas.openxmlformats.org/presentationml/2006/main">
+  <p:cSld>
+    <p:spTree>
+      <p:nvGrpSpPr>
+        <p:cNvPr id="1" name=""/>
+        <p:cNvGrpSpPr/>
+        <p:nvPr/>
+      </p:nvGrpSpPr>
+      <p:grpSpPr>
+        <a:xfrm>
+          <a:off x="0" y="0"/>
+          <a:ext cx="0" cy="0"/>
+          <a:chOff x="0" y="0"/>
+          <a:chExt cx="0" cy="0"/>
+        </a:xfrm>
+      </p:grpSpPr>
+      <p:pic>
+        <p:nvPicPr>
+          <p:cNvPr id="2" name="Picture 1"/>
+          <p:cNvPicPr>
+            <a:picLocks noChangeAspect="1"/>
+          </p:cNvPicPr>
+          <p:nvPr/>
+        </p:nvPicPr>
+        <p:blipFill>
+          <a:blip r:embed="rId2">
+            <a:extLst>
+              <a:ext uri="{28A0092B-C50C-407E-A947-70E740481C1C}">
+                <a14:useLocalDpi xmlns:a14="http://schemas.microsoft.com/office/drawing/2010/main" val="0"/>
+              </a:ext>
+            </a:extLst>
+          </a:blip>
+          <a:stretch>
+            <a:fillRect/>
+          </a:stretch>
+        </p:blipFill>
+        <p:spPr>
+          <a:xfrm>
+            <a:off x="30585" y="1385887"/>
+            <a:ext cx="9113416" cy="4240407"/>
+          </a:xfrm>
+          <a:prstGeom prst="rect">
+            <a:avLst/>
+          </a:prstGeom>
+        </p:spPr>
+      </p:pic>
+      <p:sp>
+        <p:nvSpPr>
+          <p:cNvPr id="3" name="TextBox 2"/>
+          <p:cNvSpPr txBox="1"/>
+          <p:nvPr/>
+        </p:nvSpPr>
+        <p:spPr>
+          <a:xfrm>
+            <a:off x="1115616" y="620688"/>
+            <a:ext cx="6048672" cy="369332"/>
+          </a:xfrm>
+          <a:prstGeom prst="rect">
+            <a:avLst/>
+          </a:prstGeom>
+          <a:noFill/>
+        </p:spPr>
+        <p:txBody>
+          <a:bodyPr wrap="square" rtlCol="0">
+            <a:spAutoFit/>
+          </a:bodyPr>
+          <a:lstStyle/>
+          <a:p>
+            <a:r>
+              <a:rPr lang="en-US" dirty="0" smtClean="0"/>
+              <a:t>Clustering based on age and bill category</a:t>
+            </a:r>
+            <a:endParaRPr lang="en-US" dirty="0"/>
+          </a:p>
+        </p:txBody>
+      </p:sp>
+    </p:spTree>
+    <p:extLst>
+      <p:ext uri="{BB962C8B-B14F-4D97-AF65-F5344CB8AC3E}">
+        <p14:creationId xmlns:p14="http://schemas.microsoft.com/office/powerpoint/2010/main" val="3609802593"/>
+      </p:ext>
+    </p:extLst>
+  </p:cSld>
+  <p:clrMapOvr>
+    <a:masterClrMapping/>
+  </p:clrMapOvr>
+  <p:timing>
+    <p:tnLst>
+      <p:par>
+        <p:cTn id="1" dur="indefinite" restart="never" nodeType="tmRoot"/>
+      </p:par>
+    </p:tnLst>
+  </p:timing>
+</p:sld>
+</file>
+
+<file path=ppt/slides/slide12.xml><?xml version="1.0" encoding="utf-8"?>
+<p:sld xmlns:a="http://schemas.openxmlformats.org/drawingml/2006/main" xmlns:r="http://schemas.openxmlformats.org/officeDocument/2006/relationships" xmlns:p="http://schemas.openxmlformats.org/presentationml/2006/main">
+  <p:cSld>
+    <p:spTree>
+      <p:nvGrpSpPr>
+        <p:cNvPr id="1" name=""/>
+        <p:cNvGrpSpPr/>
+        <p:nvPr/>
+      </p:nvGrpSpPr>
+      <p:grpSpPr>
+        <a:xfrm>
+          <a:off x="0" y="0"/>
+          <a:ext cx="0" cy="0"/>
+          <a:chOff x="0" y="0"/>
+          <a:chExt cx="0" cy="0"/>
+        </a:xfrm>
+      </p:grpSpPr>
+      <p:sp>
+        <p:nvSpPr>
+          <p:cNvPr id="2" name="TextBox 1"/>
+          <p:cNvSpPr txBox="1"/>
+          <p:nvPr/>
+        </p:nvSpPr>
+        <p:spPr>
+          <a:xfrm>
+            <a:off x="1619672" y="1340768"/>
+            <a:ext cx="6192688" cy="1477328"/>
+          </a:xfrm>
+          <a:prstGeom prst="rect">
+            <a:avLst/>
+          </a:prstGeom>
+          <a:noFill/>
+        </p:spPr>
+        <p:txBody>
+          <a:bodyPr wrap="square" rtlCol="0">
+            <a:spAutoFit/>
+          </a:bodyPr>
+          <a:lstStyle/>
+          <a:p>
+            <a:pPr marL="285750" indent="-285750">
+              <a:buFont typeface="Arial" panose="020B0604020202020204" pitchFamily="34" charset="0"/>
+              <a:buChar char="•"/>
+            </a:pPr>
+            <a:r>
+              <a:rPr lang="en-US" dirty="0" smtClean="0"/>
+              <a:t>Description of each item in the bills</a:t>
+            </a:r>
+          </a:p>
+          <a:p>
+            <a:endParaRPr lang="en-US" dirty="0"/>
+          </a:p>
+          <a:p>
+            <a:pPr marL="285750" indent="-285750">
+              <a:buFont typeface="Arial" panose="020B0604020202020204" pitchFamily="34" charset="0"/>
+              <a:buChar char="•"/>
+            </a:pPr>
+            <a:r>
+              <a:rPr lang="en-US" dirty="0" smtClean="0"/>
+              <a:t>Average per day for each hospital</a:t>
+            </a:r>
+          </a:p>
+          <a:p>
+            <a:pPr marL="285750" indent="-285750">
+              <a:buFont typeface="Arial" panose="020B0604020202020204" pitchFamily="34" charset="0"/>
+              <a:buChar char="•"/>
+            </a:pPr>
+            <a:endParaRPr lang="en-US" dirty="0"/>
+          </a:p>
+          <a:p>
+            <a:pPr marL="285750" indent="-285750">
+              <a:buFont typeface="Arial" panose="020B0604020202020204" pitchFamily="34" charset="0"/>
+              <a:buChar char="•"/>
+            </a:pPr>
+            <a:r>
+              <a:rPr lang="en-US" dirty="0"/>
+              <a:t>More accurate classification of hospitals from </a:t>
+            </a:r>
+            <a:r>
+              <a:rPr lang="en-US" dirty="0" smtClean="0"/>
+              <a:t>experts</a:t>
+            </a:r>
+            <a:endParaRPr lang="en-US" dirty="0"/>
+          </a:p>
+        </p:txBody>
+      </p:sp>
+    </p:spTree>
+    <p:extLst>
+      <p:ext uri="{BB962C8B-B14F-4D97-AF65-F5344CB8AC3E}">
+        <p14:creationId xmlns:p14="http://schemas.microsoft.com/office/powerpoint/2010/main" val="2919855923"/>
+      </p:ext>
+    </p:extLst>
+  </p:cSld>
+  <p:clrMapOvr>
+    <a:masterClrMapping/>
+  </p:clrMapOvr>
+</p:sld>
+</file>
+
+<file path=ppt/slides/slide13.xml><?xml version="1.0" encoding="utf-8"?>
+<p:sld xmlns:a="http://schemas.openxmlformats.org/drawingml/2006/main" xmlns:r="http://schemas.openxmlformats.org/officeDocument/2006/relationships" xmlns:p="http://schemas.openxmlformats.org/presentationml/2006/main">
+  <p:cSld>
+    <p:spTree>
+      <p:nvGrpSpPr>
+        <p:cNvPr id="1" name=""/>
+        <p:cNvGrpSpPr/>
+        <p:nvPr/>
+      </p:nvGrpSpPr>
+      <p:grpSpPr>
+        <a:xfrm>
+          <a:off x="0" y="0"/>
+          <a:ext cx="0" cy="0"/>
+          <a:chOff x="0" y="0"/>
+          <a:chExt cx="0" cy="0"/>
+        </a:xfrm>
+      </p:grpSpPr>
+      <p:sp>
+        <p:nvSpPr>
+          <p:cNvPr id="2" name="Title 1"/>
+          <p:cNvSpPr>
+            <a:spLocks noGrp="1"/>
+          </p:cNvSpPr>
+          <p:nvPr>
+            <p:ph type="ctrTitle"/>
+          </p:nvPr>
+        </p:nvSpPr>
+        <p:spPr/>
+        <p:txBody>
+          <a:bodyPr/>
+          <a:lstStyle/>
+          <a:p>
+            <a:r>
+              <a:rPr lang="en-US" dirty="0" smtClean="0"/>
+              <a:t>Q n A</a:t>
+            </a:r>
+            <a:endParaRPr lang="en-US" dirty="0"/>
+          </a:p>
+        </p:txBody>
+      </p:sp>
+    </p:spTree>
+    <p:extLst>
+      <p:ext uri="{BB962C8B-B14F-4D97-AF65-F5344CB8AC3E}">
+        <p14:creationId xmlns:p14="http://schemas.microsoft.com/office/powerpoint/2010/main" val="4075981053"/>
+      </p:ext>
+    </p:extLst>
+  </p:cSld>
+  <p:clrMapOvr>
+    <a:masterClrMapping/>
+  </p:clrMapOvr>
+  <p:timing>
+    <p:tnLst>
+      <p:par>
+        <p:cTn id="1" dur="indefinite" restart="never" nodeType="tmRoot"/>
+      </p:par>
+    </p:tnLst>
+  </p:timing>
+</p:sld>
+</file>
+
+<file path=ppt/slides/slide14.xml><?xml version="1.0" encoding="utf-8"?>
+<p:sld xmlns:a="http://schemas.openxmlformats.org/drawingml/2006/main" xmlns:r="http://schemas.openxmlformats.org/officeDocument/2006/relationships" xmlns:p="http://schemas.openxmlformats.org/presentationml/2006/main">
+  <p:cSld>
+    <p:spTree>
+      <p:nvGrpSpPr>
+        <p:cNvPr id="1" name=""/>
+        <p:cNvGrpSpPr/>
+        <p:nvPr/>
+      </p:nvGrpSpPr>
+      <p:grpSpPr>
+        <a:xfrm>
+          <a:off x="0" y="0"/>
+          <a:ext cx="0" cy="0"/>
+          <a:chOff x="0" y="0"/>
+          <a:chExt cx="0" cy="0"/>
+        </a:xfrm>
+      </p:grpSpPr>
+      <p:pic>
+        <p:nvPicPr>
+          <p:cNvPr id="2" name="Picture 1"/>
+          <p:cNvPicPr>
+            <a:picLocks noChangeAspect="1"/>
+          </p:cNvPicPr>
+          <p:nvPr/>
+        </p:nvPicPr>
+        <p:blipFill>
+          <a:blip r:embed="rId2">
+            <a:extLst>
+              <a:ext uri="{28A0092B-C50C-407E-A947-70E740481C1C}">
+                <a14:useLocalDpi xmlns:a14="http://schemas.microsoft.com/office/drawing/2010/main" val="0"/>
+              </a:ext>
+            </a:extLst>
+          </a:blip>
+          <a:stretch>
+            <a:fillRect/>
+          </a:stretch>
+        </p:blipFill>
+        <p:spPr>
+          <a:xfrm>
+            <a:off x="1691680" y="44624"/>
+            <a:ext cx="5544616" cy="2404006"/>
+          </a:xfrm>
+          <a:prstGeom prst="rect">
+            <a:avLst/>
+          </a:prstGeom>
+        </p:spPr>
+      </p:pic>
+      <p:pic>
+        <p:nvPicPr>
+          <p:cNvPr id="3" name="Picture 2"/>
+          <p:cNvPicPr>
+            <a:picLocks noChangeAspect="1"/>
+          </p:cNvPicPr>
+          <p:nvPr/>
+        </p:nvPicPr>
+        <p:blipFill>
+          <a:blip r:embed="rId3">
+            <a:extLst>
+              <a:ext uri="{28A0092B-C50C-407E-A947-70E740481C1C}">
+                <a14:useLocalDpi xmlns:a14="http://schemas.microsoft.com/office/drawing/2010/main" val="0"/>
+              </a:ext>
+            </a:extLst>
+          </a:blip>
+          <a:stretch>
+            <a:fillRect/>
+          </a:stretch>
+        </p:blipFill>
+        <p:spPr>
+          <a:xfrm>
+            <a:off x="1691679" y="2420888"/>
+            <a:ext cx="5544617" cy="2233641"/>
+          </a:xfrm>
+          <a:prstGeom prst="rect">
+            <a:avLst/>
+          </a:prstGeom>
+        </p:spPr>
+      </p:pic>
+      <p:pic>
+        <p:nvPicPr>
+          <p:cNvPr id="4" name="Picture 3"/>
+          <p:cNvPicPr>
+            <a:picLocks noChangeAspect="1"/>
+          </p:cNvPicPr>
+          <p:nvPr/>
+        </p:nvPicPr>
+        <p:blipFill>
+          <a:blip r:embed="rId4">
+            <a:extLst>
+              <a:ext uri="{28A0092B-C50C-407E-A947-70E740481C1C}">
+                <a14:useLocalDpi xmlns:a14="http://schemas.microsoft.com/office/drawing/2010/main" val="0"/>
+              </a:ext>
+            </a:extLst>
+          </a:blip>
+          <a:stretch>
+            <a:fillRect/>
+          </a:stretch>
+        </p:blipFill>
+        <p:spPr>
+          <a:xfrm>
+            <a:off x="1691679" y="4653136"/>
+            <a:ext cx="5544618" cy="2207684"/>
+          </a:xfrm>
+          <a:prstGeom prst="rect">
+            <a:avLst/>
+          </a:prstGeom>
+        </p:spPr>
+      </p:pic>
+    </p:spTree>
+    <p:extLst>
+      <p:ext uri="{BB962C8B-B14F-4D97-AF65-F5344CB8AC3E}">
+        <p14:creationId xmlns:p14="http://schemas.microsoft.com/office/powerpoint/2010/main" val="2004202756"/>
+      </p:ext>
+    </p:extLst>
+  </p:cSld>
+  <p:clrMapOvr>
+    <a:masterClrMapping/>
+  </p:clrMapOvr>
+  <p:timing>
+    <p:tnLst>
+      <p:par>
+        <p:cTn id="1" dur="indefinite" restart="never" nodeType="tmRoot"/>
+      </p:par>
+    </p:tnLst>
+  </p:timing>
+</p:sld>
+</file>
+
 <file path=ppt/slides/slide2.xml><?xml version="1.0" encoding="utf-8"?>
+<p:sld xmlns:a="http://schemas.openxmlformats.org/drawingml/2006/main" xmlns:r="http://schemas.openxmlformats.org/officeDocument/2006/relationships" xmlns:p="http://schemas.openxmlformats.org/presentationml/2006/main">
+  <p:cSld>
+    <p:spTree>
+      <p:nvGrpSpPr>
+        <p:cNvPr id="1" name=""/>
+        <p:cNvGrpSpPr/>
+        <p:nvPr/>
+      </p:nvGrpSpPr>
+      <p:grpSpPr>
+        <a:xfrm>
+          <a:off x="0" y="0"/>
+          <a:ext cx="0" cy="0"/>
+          <a:chOff x="0" y="0"/>
+          <a:chExt cx="0" cy="0"/>
+        </a:xfrm>
+      </p:grpSpPr>
+      <p:sp>
+        <p:nvSpPr>
+          <p:cNvPr id="2" name="TextBox 1"/>
+          <p:cNvSpPr txBox="1"/>
+          <p:nvPr/>
+        </p:nvSpPr>
+        <p:spPr>
+          <a:xfrm>
+            <a:off x="251520" y="1556792"/>
+            <a:ext cx="8568952" cy="4247317"/>
+          </a:xfrm>
+          <a:prstGeom prst="rect">
+            <a:avLst/>
+          </a:prstGeom>
+          <a:noFill/>
+        </p:spPr>
+        <p:txBody>
+          <a:bodyPr wrap="square" rtlCol="0">
+            <a:spAutoFit/>
+          </a:bodyPr>
+          <a:lstStyle/>
+          <a:p>
+            <a:pPr marL="285750" indent="-285750">
+              <a:buFont typeface="Arial" panose="020B0604020202020204" pitchFamily="34" charset="0"/>
+              <a:buChar char="•"/>
+            </a:pPr>
+            <a:r>
+              <a:rPr lang="en-US" dirty="0" smtClean="0"/>
+              <a:t>Methods used and the finding (formula)</a:t>
+            </a:r>
+          </a:p>
+          <a:p>
+            <a:pPr marL="742950" lvl="1" indent="-285750">
+              <a:buFont typeface="Arial" panose="020B0604020202020204" pitchFamily="34" charset="0"/>
+              <a:buChar char="•"/>
+            </a:pPr>
+            <a:r>
+              <a:rPr lang="en-US" dirty="0" smtClean="0"/>
+              <a:t>Most interesting thing</a:t>
+            </a:r>
+          </a:p>
+          <a:p>
+            <a:pPr marL="285750" indent="-285750">
+              <a:buFont typeface="Arial" panose="020B0604020202020204" pitchFamily="34" charset="0"/>
+              <a:buChar char="•"/>
+            </a:pPr>
+            <a:endParaRPr lang="en-US" dirty="0"/>
+          </a:p>
+          <a:p>
+            <a:pPr marL="285750" indent="-285750">
+              <a:buFont typeface="Arial" panose="020B0604020202020204" pitchFamily="34" charset="0"/>
+              <a:buChar char="•"/>
+            </a:pPr>
+            <a:r>
+              <a:rPr lang="en-US" dirty="0" smtClean="0"/>
+              <a:t>Insights</a:t>
+            </a:r>
+          </a:p>
+          <a:p>
+            <a:pPr marL="742950" lvl="1" indent="-285750">
+              <a:buFont typeface="Arial" panose="020B0604020202020204" pitchFamily="34" charset="0"/>
+              <a:buChar char="•"/>
+            </a:pPr>
+            <a:r>
+              <a:rPr lang="en-US" dirty="0" smtClean="0"/>
+              <a:t>Age groups</a:t>
+            </a:r>
+          </a:p>
+          <a:p>
+            <a:pPr marL="742950" lvl="1" indent="-285750">
+              <a:buFont typeface="Arial" panose="020B0604020202020204" pitchFamily="34" charset="0"/>
+              <a:buChar char="•"/>
+            </a:pPr>
+            <a:r>
+              <a:rPr lang="en-US" dirty="0" smtClean="0"/>
+              <a:t>Bill Category</a:t>
+            </a:r>
+          </a:p>
+          <a:p>
+            <a:pPr marL="1200150" lvl="2" indent="-285750">
+              <a:buFont typeface="Arial" panose="020B0604020202020204" pitchFamily="34" charset="0"/>
+              <a:buChar char="•"/>
+            </a:pPr>
+            <a:r>
+              <a:rPr lang="en-US" dirty="0" smtClean="0"/>
+              <a:t>16 Clusters</a:t>
+            </a:r>
+          </a:p>
+          <a:p>
+            <a:pPr marL="1200150" lvl="2" indent="-285750">
+              <a:buFont typeface="Arial" panose="020B0604020202020204" pitchFamily="34" charset="0"/>
+              <a:buChar char="•"/>
+            </a:pPr>
+            <a:endParaRPr lang="en-US" dirty="0"/>
+          </a:p>
+          <a:p>
+            <a:pPr marL="285750" indent="-285750">
+              <a:buFont typeface="Arial" panose="020B0604020202020204" pitchFamily="34" charset="0"/>
+              <a:buChar char="•"/>
+            </a:pPr>
+            <a:r>
+              <a:rPr lang="en-US" dirty="0" smtClean="0"/>
+              <a:t>Most interesting thing</a:t>
+            </a:r>
+          </a:p>
+          <a:p>
+            <a:pPr marL="285750" indent="-285750">
+              <a:buFont typeface="Arial" panose="020B0604020202020204" pitchFamily="34" charset="0"/>
+              <a:buChar char="•"/>
+            </a:pPr>
+            <a:endParaRPr lang="en-US" dirty="0" smtClean="0"/>
+          </a:p>
+          <a:p>
+            <a:pPr marL="285750" indent="-285750">
+              <a:buFont typeface="Arial" panose="020B0604020202020204" pitchFamily="34" charset="0"/>
+              <a:buChar char="•"/>
+            </a:pPr>
+            <a:r>
+              <a:rPr lang="en-US" dirty="0" smtClean="0"/>
+              <a:t>Values to business</a:t>
+            </a:r>
+          </a:p>
+          <a:p>
+            <a:pPr marL="285750" indent="-285750">
+              <a:buFont typeface="Arial" panose="020B0604020202020204" pitchFamily="34" charset="0"/>
+              <a:buChar char="•"/>
+            </a:pPr>
+            <a:endParaRPr lang="en-US" dirty="0"/>
+          </a:p>
+          <a:p>
+            <a:pPr marL="285750" indent="-285750">
+              <a:buFont typeface="Arial" panose="020B0604020202020204" pitchFamily="34" charset="0"/>
+              <a:buChar char="•"/>
+            </a:pPr>
+            <a:r>
+              <a:rPr lang="en-US" dirty="0" smtClean="0"/>
+              <a:t>Improvements</a:t>
+            </a:r>
+            <a:endParaRPr lang="en-US" dirty="0"/>
+          </a:p>
+          <a:p>
+            <a:pPr marL="742950" lvl="1" indent="-285750">
+              <a:buFont typeface="Arial" panose="020B0604020202020204" pitchFamily="34" charset="0"/>
+              <a:buChar char="•"/>
+            </a:pPr>
+            <a:endParaRPr lang="en-US" dirty="0" smtClean="0"/>
+          </a:p>
+          <a:p>
+            <a:pPr marL="742950" lvl="1" indent="-285750">
+              <a:buFont typeface="Arial" panose="020B0604020202020204" pitchFamily="34" charset="0"/>
+              <a:buChar char="•"/>
+            </a:pPr>
+            <a:endParaRPr lang="en-US" dirty="0" smtClean="0"/>
+          </a:p>
+        </p:txBody>
+      </p:sp>
+    </p:spTree>
+    <p:extLst>
+      <p:ext uri="{BB962C8B-B14F-4D97-AF65-F5344CB8AC3E}">
+        <p14:creationId xmlns:p14="http://schemas.microsoft.com/office/powerpoint/2010/main" val="2630408876"/>
+      </p:ext>
+    </p:extLst>
+  </p:cSld>
+  <p:clrMapOvr>
+    <a:masterClrMapping/>
+  </p:clrMapOvr>
+</p:sld>
+</file>
+
+<file path=ppt/slides/slide3.xml><?xml version="1.0" encoding="utf-8"?>
+<p:sld xmlns:a="http://schemas.openxmlformats.org/drawingml/2006/main" xmlns:r="http://schemas.openxmlformats.org/officeDocument/2006/relationships" xmlns:p="http://schemas.openxmlformats.org/presentationml/2006/main">
+  <p:cSld>
+    <p:spTree>
+      <p:nvGrpSpPr>
+        <p:cNvPr id="1" name=""/>
+        <p:cNvGrpSpPr/>
+        <p:nvPr/>
+      </p:nvGrpSpPr>
+      <p:grpSpPr>
+        <a:xfrm>
+          <a:off x="0" y="0"/>
+          <a:ext cx="0" cy="0"/>
+          <a:chOff x="0" y="0"/>
+          <a:chExt cx="0" cy="0"/>
+        </a:xfrm>
+      </p:grpSpPr>
+      <p:sp>
+        <p:nvSpPr>
+          <p:cNvPr id="2" name="TextBox 1"/>
+          <p:cNvSpPr txBox="1"/>
+          <p:nvPr/>
+        </p:nvSpPr>
+        <p:spPr>
+          <a:xfrm>
+            <a:off x="2884773" y="2132856"/>
+            <a:ext cx="2952328" cy="2308324"/>
+          </a:xfrm>
+          <a:prstGeom prst="rect">
+            <a:avLst/>
+          </a:prstGeom>
+          <a:noFill/>
+        </p:spPr>
+        <p:txBody>
+          <a:bodyPr wrap="square" rtlCol="0">
+            <a:spAutoFit/>
+          </a:bodyPr>
+          <a:lstStyle/>
+          <a:p>
+            <a:r>
+              <a:rPr lang="en-US" dirty="0" smtClean="0"/>
+              <a:t>Logistic Regression </a:t>
+            </a:r>
+          </a:p>
+          <a:p>
+            <a:endParaRPr lang="en-US" dirty="0"/>
+          </a:p>
+          <a:p>
+            <a:endParaRPr lang="en-US" dirty="0" smtClean="0"/>
+          </a:p>
+          <a:p>
+            <a:endParaRPr lang="en-US" dirty="0"/>
+          </a:p>
+          <a:p>
+            <a:endParaRPr lang="en-US" dirty="0" smtClean="0"/>
+          </a:p>
+          <a:p>
+            <a:r>
+              <a:rPr lang="en-US" dirty="0" smtClean="0"/>
+              <a:t>Linear Regression </a:t>
+            </a:r>
+          </a:p>
+          <a:p>
+            <a:endParaRPr lang="en-US" dirty="0"/>
+          </a:p>
+          <a:p>
+            <a:r>
+              <a:rPr lang="en-US" dirty="0" smtClean="0"/>
+              <a:t>Clustering</a:t>
+            </a:r>
+          </a:p>
+        </p:txBody>
+      </p:sp>
+    </p:spTree>
+    <p:extLst>
+      <p:ext uri="{BB962C8B-B14F-4D97-AF65-F5344CB8AC3E}">
+        <p14:creationId xmlns:p14="http://schemas.microsoft.com/office/powerpoint/2010/main" val="2514957126"/>
+      </p:ext>
+    </p:extLst>
+  </p:cSld>
+  <p:clrMapOvr>
+    <a:masterClrMapping/>
+  </p:clrMapOvr>
+</p:sld>
+</file>
+
+<file path=ppt/slides/slide4.xml><?xml version="1.0" encoding="utf-8"?>
+<p:sld xmlns:a="http://schemas.openxmlformats.org/drawingml/2006/main" xmlns:r="http://schemas.openxmlformats.org/officeDocument/2006/relationships" xmlns:p="http://schemas.openxmlformats.org/presentationml/2006/main">
+  <p:cSld>
+    <p:spTree>
+      <p:nvGrpSpPr>
+        <p:cNvPr id="1" name=""/>
+        <p:cNvGrpSpPr/>
+        <p:nvPr/>
+      </p:nvGrpSpPr>
+      <p:grpSpPr>
+        <a:xfrm>
+          <a:off x="0" y="0"/>
+          <a:ext cx="0" cy="0"/>
+          <a:chOff x="0" y="0"/>
+          <a:chExt cx="0" cy="0"/>
+        </a:xfrm>
+      </p:grpSpPr>
+      <p:sp>
+        <p:nvSpPr>
+          <p:cNvPr id="3" name="TextBox 2"/>
+          <p:cNvSpPr txBox="1"/>
+          <p:nvPr/>
+        </p:nvSpPr>
+        <p:spPr>
+          <a:xfrm>
+            <a:off x="827584" y="1916832"/>
+            <a:ext cx="7272808" cy="1754326"/>
+          </a:xfrm>
+          <a:prstGeom prst="rect">
+            <a:avLst/>
+          </a:prstGeom>
+          <a:noFill/>
+        </p:spPr>
+        <p:txBody>
+          <a:bodyPr wrap="square" rtlCol="0">
+            <a:spAutoFit/>
+          </a:bodyPr>
+          <a:lstStyle/>
+          <a:p>
+            <a:pPr marL="285750" indent="-285750">
+              <a:buFont typeface="Arial" panose="020B0604020202020204" pitchFamily="34" charset="0"/>
+              <a:buChar char="•"/>
+            </a:pPr>
+            <a:r>
+              <a:rPr lang="en-US" dirty="0" smtClean="0"/>
+              <a:t>Not dependent on disease types</a:t>
+            </a:r>
+          </a:p>
+          <a:p>
+            <a:pPr marL="285750" indent="-285750">
+              <a:buFont typeface="Arial" panose="020B0604020202020204" pitchFamily="34" charset="0"/>
+              <a:buChar char="•"/>
+            </a:pPr>
+            <a:endParaRPr lang="en-US" dirty="0"/>
+          </a:p>
+          <a:p>
+            <a:pPr marL="285750" indent="-285750">
+              <a:buFont typeface="Arial" panose="020B0604020202020204" pitchFamily="34" charset="0"/>
+              <a:buChar char="•"/>
+            </a:pPr>
+            <a:r>
+              <a:rPr lang="en-US" dirty="0" smtClean="0"/>
+              <a:t>Age, Bill category, Type of Hospital (13), Duration of stay, </a:t>
+            </a:r>
+          </a:p>
+          <a:p>
+            <a:pPr marL="285750" indent="-285750">
+              <a:buFont typeface="Arial" panose="020B0604020202020204" pitchFamily="34" charset="0"/>
+              <a:buChar char="•"/>
+            </a:pPr>
+            <a:endParaRPr lang="en-US" dirty="0"/>
+          </a:p>
+          <a:p>
+            <a:pPr marL="285750" indent="-285750">
+              <a:buFont typeface="Arial" panose="020B0604020202020204" pitchFamily="34" charset="0"/>
+              <a:buChar char="•"/>
+            </a:pPr>
+            <a:r>
+              <a:rPr lang="en-US" dirty="0" smtClean="0"/>
+              <a:t>Year of admission</a:t>
+            </a:r>
+          </a:p>
+          <a:p>
+            <a:pPr marL="285750" indent="-285750">
+              <a:buFont typeface="Arial" panose="020B0604020202020204" pitchFamily="34" charset="0"/>
+              <a:buChar char="•"/>
+            </a:pPr>
+            <a:endParaRPr lang="en-US" dirty="0"/>
+          </a:p>
+        </p:txBody>
+      </p:sp>
+      <p:sp>
+        <p:nvSpPr>
+          <p:cNvPr id="4" name="TextBox 3"/>
+          <p:cNvSpPr txBox="1"/>
+          <p:nvPr/>
+        </p:nvSpPr>
+        <p:spPr>
+          <a:xfrm>
+            <a:off x="1043608" y="980728"/>
+            <a:ext cx="7848872" cy="369332"/>
+          </a:xfrm>
+          <a:prstGeom prst="rect">
+            <a:avLst/>
+          </a:prstGeom>
+          <a:noFill/>
+        </p:spPr>
+        <p:txBody>
+          <a:bodyPr wrap="square" rtlCol="0">
+            <a:spAutoFit/>
+          </a:bodyPr>
+          <a:lstStyle/>
+          <a:p>
+            <a:r>
+              <a:rPr lang="en-US" b="1" dirty="0" smtClean="0"/>
+              <a:t>The most interesting thing about the solution</a:t>
+            </a:r>
+            <a:endParaRPr lang="en-US" b="1" dirty="0"/>
+          </a:p>
+        </p:txBody>
+      </p:sp>
+    </p:spTree>
+    <p:extLst>
+      <p:ext uri="{BB962C8B-B14F-4D97-AF65-F5344CB8AC3E}">
+        <p14:creationId xmlns:p14="http://schemas.microsoft.com/office/powerpoint/2010/main" val="1305833285"/>
+      </p:ext>
+    </p:extLst>
+  </p:cSld>
+  <p:clrMapOvr>
+    <a:masterClrMapping/>
+  </p:clrMapOvr>
+</p:sld>
+</file>
+
+<file path=ppt/slides/slide5.xml><?xml version="1.0" encoding="utf-8"?>
+<p:sld xmlns:a="http://schemas.openxmlformats.org/drawingml/2006/main" xmlns:r="http://schemas.openxmlformats.org/officeDocument/2006/relationships" xmlns:p="http://schemas.openxmlformats.org/presentationml/2006/main">
+  <p:cSld>
+    <p:spTree>
+      <p:nvGrpSpPr>
+        <p:cNvPr id="1" name=""/>
+        <p:cNvGrpSpPr/>
+        <p:nvPr/>
+      </p:nvGrpSpPr>
+      <p:grpSpPr>
+        <a:xfrm>
+          <a:off x="0" y="0"/>
+          <a:ext cx="0" cy="0"/>
+          <a:chOff x="0" y="0"/>
+          <a:chExt cx="0" cy="0"/>
+        </a:xfrm>
+      </p:grpSpPr>
+      <p:sp>
+        <p:nvSpPr>
+          <p:cNvPr id="2" name="TextBox 1"/>
+          <p:cNvSpPr txBox="1"/>
+          <p:nvPr/>
+        </p:nvSpPr>
+        <p:spPr>
+          <a:xfrm>
+            <a:off x="860723" y="476672"/>
+            <a:ext cx="7272808" cy="2585323"/>
+          </a:xfrm>
+          <a:prstGeom prst="rect">
+            <a:avLst/>
+          </a:prstGeom>
+          <a:noFill/>
+        </p:spPr>
+        <p:txBody>
+          <a:bodyPr wrap="square" rtlCol="0">
+            <a:spAutoFit/>
+          </a:bodyPr>
+          <a:lstStyle/>
+          <a:p>
+            <a:endParaRPr lang="en-US" dirty="0" smtClean="0"/>
+          </a:p>
+          <a:p>
+            <a:pPr marL="285750" indent="-285750">
+              <a:buFont typeface="Arial" panose="020B0604020202020204" pitchFamily="34" charset="0"/>
+              <a:buChar char="•"/>
+            </a:pPr>
+            <a:r>
+              <a:rPr lang="en-US" dirty="0" smtClean="0"/>
+              <a:t>Easy implementation</a:t>
+            </a:r>
+          </a:p>
+          <a:p>
+            <a:pPr marL="285750" indent="-285750">
+              <a:buFont typeface="Arial" panose="020B0604020202020204" pitchFamily="34" charset="0"/>
+              <a:buChar char="•"/>
+            </a:pPr>
+            <a:endParaRPr lang="en-US" dirty="0" smtClean="0"/>
+          </a:p>
+          <a:p>
+            <a:pPr marL="285750" indent="-285750">
+              <a:buFont typeface="Arial" panose="020B0604020202020204" pitchFamily="34" charset="0"/>
+              <a:buChar char="•"/>
+            </a:pPr>
+            <a:r>
+              <a:rPr lang="en-US" dirty="0" smtClean="0"/>
+              <a:t>Machine learning, iteratively the model can improve itself</a:t>
+            </a:r>
+          </a:p>
+          <a:p>
+            <a:pPr marL="285750" indent="-285750">
+              <a:buFont typeface="Arial" panose="020B0604020202020204" pitchFamily="34" charset="0"/>
+              <a:buChar char="•"/>
+            </a:pPr>
+            <a:endParaRPr lang="en-US" dirty="0"/>
+          </a:p>
+          <a:p>
+            <a:pPr marL="285750" indent="-285750">
+              <a:buFont typeface="Arial" panose="020B0604020202020204" pitchFamily="34" charset="0"/>
+              <a:buChar char="•"/>
+            </a:pPr>
+            <a:r>
+              <a:rPr lang="en-US" dirty="0" smtClean="0"/>
+              <a:t>More detailed and refined clusters</a:t>
+            </a:r>
+          </a:p>
+          <a:p>
+            <a:pPr marL="285750" indent="-285750">
+              <a:buFont typeface="Arial" panose="020B0604020202020204" pitchFamily="34" charset="0"/>
+              <a:buChar char="•"/>
+            </a:pPr>
+            <a:endParaRPr lang="en-US" dirty="0"/>
+          </a:p>
+          <a:p>
+            <a:pPr marL="285750" indent="-285750">
+              <a:buFont typeface="Arial" panose="020B0604020202020204" pitchFamily="34" charset="0"/>
+              <a:buChar char="•"/>
+            </a:pPr>
+            <a:r>
+              <a:rPr lang="en-US" dirty="0" smtClean="0"/>
+              <a:t>Less processing time, faster decision making</a:t>
+            </a:r>
+          </a:p>
+          <a:p>
+            <a:endParaRPr lang="en-US" dirty="0"/>
+          </a:p>
+        </p:txBody>
+      </p:sp>
+      <p:sp>
+        <p:nvSpPr>
+          <p:cNvPr id="3" name="Rectangle 2"/>
+          <p:cNvSpPr/>
+          <p:nvPr/>
+        </p:nvSpPr>
+        <p:spPr>
+          <a:xfrm>
+            <a:off x="1043608" y="3212976"/>
+            <a:ext cx="5616624" cy="3384376"/>
+          </a:xfrm>
+          <a:prstGeom prst="rect">
+            <a:avLst/>
+          </a:prstGeom>
+        </p:spPr>
+        <p:style>
+          <a:lnRef idx="2">
+            <a:schemeClr val="accent1">
+              <a:shade val="50000"/>
+            </a:schemeClr>
+          </a:lnRef>
+          <a:fillRef idx="1">
+            <a:schemeClr val="accent1"/>
+          </a:fillRef>
+          <a:effectRef idx="0">
+            <a:schemeClr val="accent1"/>
+          </a:effectRef>
+          <a:fontRef idx="minor">
+            <a:schemeClr val="lt1"/>
+          </a:fontRef>
+        </p:style>
+        <p:txBody>
+          <a:bodyPr rtlCol="0" anchor="ctr"/>
+          <a:lstStyle/>
+          <a:p>
+            <a:pPr algn="ctr"/>
+            <a:endParaRPr lang="en-US"/>
+          </a:p>
+        </p:txBody>
+      </p:sp>
+      <p:sp>
+        <p:nvSpPr>
+          <p:cNvPr id="4" name="Rectangle 3"/>
+          <p:cNvSpPr/>
+          <p:nvPr/>
+        </p:nvSpPr>
+        <p:spPr>
+          <a:xfrm>
+            <a:off x="1043608" y="3212976"/>
+            <a:ext cx="1215752" cy="927720"/>
+          </a:xfrm>
+          <a:prstGeom prst="rect">
+            <a:avLst/>
+          </a:prstGeom>
+        </p:spPr>
+        <p:style>
+          <a:lnRef idx="2">
+            <a:schemeClr val="accent1"/>
+          </a:lnRef>
+          <a:fillRef idx="1">
+            <a:schemeClr val="lt1"/>
+          </a:fillRef>
+          <a:effectRef idx="0">
+            <a:schemeClr val="accent1"/>
+          </a:effectRef>
+          <a:fontRef idx="minor">
+            <a:schemeClr val="dk1"/>
+          </a:fontRef>
+        </p:style>
+        <p:txBody>
+          <a:bodyPr rtlCol="0" anchor="ctr"/>
+          <a:lstStyle/>
+          <a:p>
+            <a:pPr algn="ctr"/>
+            <a:endParaRPr lang="en-US"/>
+          </a:p>
+        </p:txBody>
+      </p:sp>
+    </p:spTree>
+    <p:extLst>
+      <p:ext uri="{BB962C8B-B14F-4D97-AF65-F5344CB8AC3E}">
+        <p14:creationId xmlns:p14="http://schemas.microsoft.com/office/powerpoint/2010/main" val="630314137"/>
+      </p:ext>
+    </p:extLst>
+  </p:cSld>
+  <p:clrMapOvr>
+    <a:masterClrMapping/>
+  </p:clrMapOvr>
+</p:sld>
+</file>
+
+<file path=ppt/slides/slide6.xml><?xml version="1.0" encoding="utf-8"?>
+<p:sld xmlns:a="http://schemas.openxmlformats.org/drawingml/2006/main" xmlns:r="http://schemas.openxmlformats.org/officeDocument/2006/relationships" xmlns:p="http://schemas.openxmlformats.org/presentationml/2006/main">
+  <p:cSld>
+    <p:spTree>
+      <p:nvGrpSpPr>
+        <p:cNvPr id="1" name=""/>
+        <p:cNvGrpSpPr/>
+        <p:nvPr/>
+      </p:nvGrpSpPr>
+      <p:grpSpPr>
+        <a:xfrm>
+          <a:off x="0" y="0"/>
+          <a:ext cx="0" cy="0"/>
+          <a:chOff x="0" y="0"/>
+          <a:chExt cx="0" cy="0"/>
+        </a:xfrm>
+      </p:grpSpPr>
+      <p:pic>
+        <p:nvPicPr>
+          <p:cNvPr id="2" name="Picture 1"/>
+          <p:cNvPicPr>
+            <a:picLocks noChangeAspect="1"/>
+          </p:cNvPicPr>
+          <p:nvPr/>
+        </p:nvPicPr>
+        <p:blipFill>
+          <a:blip r:embed="rId2">
+            <a:extLst>
+              <a:ext uri="{28A0092B-C50C-407E-A947-70E740481C1C}">
+                <a14:useLocalDpi xmlns:a14="http://schemas.microsoft.com/office/drawing/2010/main" val="0"/>
+              </a:ext>
+            </a:extLst>
+          </a:blip>
+          <a:stretch>
+            <a:fillRect/>
+          </a:stretch>
+        </p:blipFill>
+        <p:spPr>
+          <a:xfrm>
+            <a:off x="1403648" y="1484784"/>
+            <a:ext cx="6763361" cy="4159151"/>
+          </a:xfrm>
+          <a:prstGeom prst="rect">
+            <a:avLst/>
+          </a:prstGeom>
+        </p:spPr>
+      </p:pic>
+    </p:spTree>
+    <p:extLst>
+      <p:ext uri="{BB962C8B-B14F-4D97-AF65-F5344CB8AC3E}">
+        <p14:creationId xmlns:p14="http://schemas.microsoft.com/office/powerpoint/2010/main" val="2834697515"/>
+      </p:ext>
+    </p:extLst>
+  </p:cSld>
+  <p:clrMapOvr>
+    <a:masterClrMapping/>
+  </p:clrMapOvr>
+  <p:timing>
+    <p:tnLst>
+      <p:par>
+        <p:cTn id="1" dur="indefinite" restart="never" nodeType="tmRoot"/>
+      </p:par>
+    </p:tnLst>
+  </p:timing>
+</p:sld>
+</file>
+
+<file path=ppt/slides/slide7.xml><?xml version="1.0" encoding="utf-8"?>
 <p:sld xmlns:a="http://schemas.openxmlformats.org/drawingml/2006/main" xmlns:r="http://schemas.openxmlformats.org/officeDocument/2006/relationships" xmlns:p="http://schemas.openxmlformats.org/presentationml/2006/main">
   <p:cSld>
     <p:spTree>
@@ -4026,7 +5157,7 @@
 </p:sld>
 </file>
 
-<file path=ppt/slides/slide3.xml><?xml version="1.0" encoding="utf-8"?>
+<file path=ppt/slides/slide8.xml><?xml version="1.0" encoding="utf-8"?>
 <p:sld xmlns:a="http://schemas.openxmlformats.org/drawingml/2006/main" xmlns:r="http://schemas.openxmlformats.org/officeDocument/2006/relationships" xmlns:p="http://schemas.openxmlformats.org/presentationml/2006/main">
   <p:cSld>
     <p:spTree>
@@ -4077,6 +5208,73 @@
     <p:extLst>
       <p:ext uri="{BB962C8B-B14F-4D97-AF65-F5344CB8AC3E}">
         <p14:creationId xmlns:p14="http://schemas.microsoft.com/office/powerpoint/2010/main" val="2698020520"/>
+      </p:ext>
+    </p:extLst>
+  </p:cSld>
+  <p:clrMapOvr>
+    <a:masterClrMapping/>
+  </p:clrMapOvr>
+  <p:timing>
+    <p:tnLst>
+      <p:par>
+        <p:cTn id="1" dur="indefinite" restart="never" nodeType="tmRoot"/>
+      </p:par>
+    </p:tnLst>
+  </p:timing>
+</p:sld>
+</file>
+
+<file path=ppt/slides/slide9.xml><?xml version="1.0" encoding="utf-8"?>
+<p:sld xmlns:a="http://schemas.openxmlformats.org/drawingml/2006/main" xmlns:r="http://schemas.openxmlformats.org/officeDocument/2006/relationships" xmlns:p="http://schemas.openxmlformats.org/presentationml/2006/main">
+  <p:cSld>
+    <p:spTree>
+      <p:nvGrpSpPr>
+        <p:cNvPr id="1" name=""/>
+        <p:cNvGrpSpPr/>
+        <p:nvPr/>
+      </p:nvGrpSpPr>
+      <p:grpSpPr>
+        <a:xfrm>
+          <a:off x="0" y="0"/>
+          <a:ext cx="0" cy="0"/>
+          <a:chOff x="0" y="0"/>
+          <a:chExt cx="0" cy="0"/>
+        </a:xfrm>
+      </p:grpSpPr>
+      <p:pic>
+        <p:nvPicPr>
+          <p:cNvPr id="2" name="Picture 1"/>
+          <p:cNvPicPr>
+            <a:picLocks noChangeAspect="1"/>
+          </p:cNvPicPr>
+          <p:nvPr/>
+        </p:nvPicPr>
+        <p:blipFill>
+          <a:blip r:embed="rId2">
+            <a:extLst>
+              <a:ext uri="{28A0092B-C50C-407E-A947-70E740481C1C}">
+                <a14:useLocalDpi xmlns:a14="http://schemas.microsoft.com/office/drawing/2010/main" val="0"/>
+              </a:ext>
+            </a:extLst>
+          </a:blip>
+          <a:stretch>
+            <a:fillRect/>
+          </a:stretch>
+        </p:blipFill>
+        <p:spPr>
+          <a:xfrm>
+            <a:off x="0" y="0"/>
+            <a:ext cx="9144000" cy="6858000"/>
+          </a:xfrm>
+          <a:prstGeom prst="rect">
+            <a:avLst/>
+          </a:prstGeom>
+        </p:spPr>
+      </p:pic>
+    </p:spTree>
+    <p:extLst>
+      <p:ext uri="{BB962C8B-B14F-4D97-AF65-F5344CB8AC3E}">
+        <p14:creationId xmlns:p14="http://schemas.microsoft.com/office/powerpoint/2010/main" val="1502515254"/>
       </p:ext>
     </p:extLst>
   </p:cSld>

--- a/Slides/Data Innovation Challenge.pptx
+++ b/Slides/Data Innovation Challenge.pptx
@@ -19,6 +19,7 @@
     <p:sldId id="269" r:id="rId13"/>
     <p:sldId id="262" r:id="rId14"/>
     <p:sldId id="263" r:id="rId15"/>
+    <p:sldId id="270" r:id="rId16"/>
   </p:sldIdLst>
   <p:sldSz cx="9144000" cy="6858000" type="screen4x3"/>
   <p:notesSz cx="6858000" cy="9144000"/>
@@ -293,7 +294,7 @@
           <a:p>
             <a:fld id="{8D21709C-C16E-44B3-A8B9-697726742CEE}" type="datetimeFigureOut">
               <a:rPr lang="en-SG" smtClean="0"/>
-              <a:t>5/5/2014</a:t>
+              <a:t>6/5/2014</a:t>
             </a:fld>
             <a:endParaRPr lang="en-SG"/>
           </a:p>
@@ -458,7 +459,7 @@
           <a:p>
             <a:fld id="{8D21709C-C16E-44B3-A8B9-697726742CEE}" type="datetimeFigureOut">
               <a:rPr lang="en-SG" smtClean="0"/>
-              <a:t>5/5/2014</a:t>
+              <a:t>6/5/2014</a:t>
             </a:fld>
             <a:endParaRPr lang="en-SG"/>
           </a:p>
@@ -633,7 +634,7 @@
           <a:p>
             <a:fld id="{8D21709C-C16E-44B3-A8B9-697726742CEE}" type="datetimeFigureOut">
               <a:rPr lang="en-SG" smtClean="0"/>
-              <a:t>5/5/2014</a:t>
+              <a:t>6/5/2014</a:t>
             </a:fld>
             <a:endParaRPr lang="en-SG"/>
           </a:p>
@@ -798,7 +799,7 @@
           <a:p>
             <a:fld id="{8D21709C-C16E-44B3-A8B9-697726742CEE}" type="datetimeFigureOut">
               <a:rPr lang="en-SG" smtClean="0"/>
-              <a:t>5/5/2014</a:t>
+              <a:t>6/5/2014</a:t>
             </a:fld>
             <a:endParaRPr lang="en-SG"/>
           </a:p>
@@ -1040,7 +1041,7 @@
           <a:p>
             <a:fld id="{8D21709C-C16E-44B3-A8B9-697726742CEE}" type="datetimeFigureOut">
               <a:rPr lang="en-SG" smtClean="0"/>
-              <a:t>5/5/2014</a:t>
+              <a:t>6/5/2014</a:t>
             </a:fld>
             <a:endParaRPr lang="en-SG"/>
           </a:p>
@@ -1304,7 +1305,7 @@
           <a:p>
             <a:fld id="{8D21709C-C16E-44B3-A8B9-697726742CEE}" type="datetimeFigureOut">
               <a:rPr lang="en-SG" smtClean="0"/>
-              <a:t>5/5/2014</a:t>
+              <a:t>6/5/2014</a:t>
             </a:fld>
             <a:endParaRPr lang="en-SG"/>
           </a:p>
@@ -1682,7 +1683,7 @@
           <a:p>
             <a:fld id="{8D21709C-C16E-44B3-A8B9-697726742CEE}" type="datetimeFigureOut">
               <a:rPr lang="en-SG" smtClean="0"/>
-              <a:t>5/5/2014</a:t>
+              <a:t>6/5/2014</a:t>
             </a:fld>
             <a:endParaRPr lang="en-SG"/>
           </a:p>
@@ -1832,7 +1833,7 @@
           <a:p>
             <a:fld id="{8D21709C-C16E-44B3-A8B9-697726742CEE}" type="datetimeFigureOut">
               <a:rPr lang="en-SG" smtClean="0"/>
-              <a:t>5/5/2014</a:t>
+              <a:t>6/5/2014</a:t>
             </a:fld>
             <a:endParaRPr lang="en-SG"/>
           </a:p>
@@ -1922,7 +1923,7 @@
           <a:p>
             <a:fld id="{8D21709C-C16E-44B3-A8B9-697726742CEE}" type="datetimeFigureOut">
               <a:rPr lang="en-SG" smtClean="0"/>
-              <a:t>5/5/2014</a:t>
+              <a:t>6/5/2014</a:t>
             </a:fld>
             <a:endParaRPr lang="en-SG"/>
           </a:p>
@@ -2183,7 +2184,7 @@
           <a:p>
             <a:fld id="{8D21709C-C16E-44B3-A8B9-697726742CEE}" type="datetimeFigureOut">
               <a:rPr lang="en-SG" smtClean="0"/>
-              <a:t>5/5/2014</a:t>
+              <a:t>6/5/2014</a:t>
             </a:fld>
             <a:endParaRPr lang="en-SG"/>
           </a:p>
@@ -2471,7 +2472,7 @@
           <a:p>
             <a:fld id="{8D21709C-C16E-44B3-A8B9-697726742CEE}" type="datetimeFigureOut">
               <a:rPr lang="en-SG" smtClean="0"/>
-              <a:t>5/5/2014</a:t>
+              <a:t>6/5/2014</a:t>
             </a:fld>
             <a:endParaRPr lang="en-SG"/>
           </a:p>
@@ -3242,7 +3243,7 @@
           <a:p>
             <a:fld id="{8D21709C-C16E-44B3-A8B9-697726742CEE}" type="datetimeFigureOut">
               <a:rPr lang="en-SG" smtClean="0"/>
-              <a:t>5/5/2014</a:t>
+              <a:t>6/5/2014</a:t>
             </a:fld>
             <a:endParaRPr lang="en-SG"/>
           </a:p>
@@ -4160,7 +4161,7 @@
         <p:spPr>
           <a:xfrm>
             <a:off x="1619672" y="1340768"/>
-            <a:ext cx="6192688" cy="1477328"/>
+            <a:ext cx="6192688" cy="2585323"/>
           </a:xfrm>
           <a:prstGeom prst="rect">
             <a:avLst/>
@@ -4214,6 +4215,40 @@
             <a:r>
               <a:rPr lang="en-US" dirty="0" smtClean="0"/>
               <a:t>experts</a:t>
+            </a:r>
+          </a:p>
+          <a:p>
+            <a:pPr marL="285750" indent="-285750">
+              <a:buFont typeface="Arial" panose="020B0604020202020204" pitchFamily="34" charset="0"/>
+              <a:buChar char="•"/>
+            </a:pPr>
+            <a:endParaRPr lang="en-US" dirty="0"/>
+          </a:p>
+          <a:p>
+            <a:pPr marL="285750" indent="-285750">
+              <a:buFont typeface="Arial" panose="020B0604020202020204" pitchFamily="34" charset="0"/>
+              <a:buChar char="•"/>
+            </a:pPr>
+            <a:r>
+              <a:rPr lang="en-US" dirty="0" smtClean="0"/>
+              <a:t>More systematic clustering</a:t>
+            </a:r>
+          </a:p>
+          <a:p>
+            <a:pPr marL="285750" indent="-285750">
+              <a:buFont typeface="Arial" panose="020B0604020202020204" pitchFamily="34" charset="0"/>
+              <a:buChar char="•"/>
+            </a:pPr>
+            <a:endParaRPr lang="en-US" dirty="0"/>
+          </a:p>
+          <a:p>
+            <a:pPr marL="285750" indent="-285750">
+              <a:buFont typeface="Arial" panose="020B0604020202020204" pitchFamily="34" charset="0"/>
+              <a:buChar char="•"/>
+            </a:pPr>
+            <a:r>
+              <a:rPr lang="en-US" dirty="0" smtClean="0"/>
+              <a:t>Robust</a:t>
             </a:r>
             <a:endParaRPr lang="en-US" dirty="0"/>
           </a:p>
@@ -4229,6 +4264,13 @@
   <p:clrMapOvr>
     <a:masterClrMapping/>
   </p:clrMapOvr>
+  <p:timing>
+    <p:tnLst>
+      <p:par>
+        <p:cTn id="1" dur="indefinite" restart="never" nodeType="tmRoot"/>
+      </p:par>
+    </p:tnLst>
+  </p:timing>
 </p:sld>
 </file>
 
@@ -4419,6 +4461,468 @@
 </p:sld>
 </file>
 
+<file path=ppt/slides/slide15.xml><?xml version="1.0" encoding="utf-8"?>
+<p:sld xmlns:a="http://schemas.openxmlformats.org/drawingml/2006/main" xmlns:r="http://schemas.openxmlformats.org/officeDocument/2006/relationships" xmlns:p="http://schemas.openxmlformats.org/presentationml/2006/main">
+  <p:cSld>
+    <p:spTree>
+      <p:nvGrpSpPr>
+        <p:cNvPr id="1" name=""/>
+        <p:cNvGrpSpPr/>
+        <p:nvPr/>
+      </p:nvGrpSpPr>
+      <p:grpSpPr>
+        <a:xfrm>
+          <a:off x="0" y="0"/>
+          <a:ext cx="0" cy="0"/>
+          <a:chOff x="0" y="0"/>
+          <a:chExt cx="0" cy="0"/>
+        </a:xfrm>
+      </p:grpSpPr>
+      <p:graphicFrame>
+        <p:nvGraphicFramePr>
+          <p:cNvPr id="3" name="Table 2"/>
+          <p:cNvGraphicFramePr>
+            <a:graphicFrameLocks noGrp="1"/>
+          </p:cNvGraphicFramePr>
+          <p:nvPr>
+            <p:extLst>
+              <p:ext uri="{D42A27DB-BD31-4B8C-83A1-F6EECF244321}">
+                <p14:modId xmlns:p14="http://schemas.microsoft.com/office/powerpoint/2010/main" val="1023776924"/>
+              </p:ext>
+            </p:extLst>
+          </p:nvPr>
+        </p:nvGraphicFramePr>
+        <p:xfrm>
+          <a:off x="1331640" y="2780928"/>
+          <a:ext cx="6096000" cy="1854200"/>
+        </p:xfrm>
+        <a:graphic>
+          <a:graphicData uri="http://schemas.openxmlformats.org/drawingml/2006/table">
+            <a:tbl>
+              <a:tblPr firstRow="1" bandRow="1">
+                <a:tableStyleId>{5C22544A-7EE6-4342-B048-85BDC9FD1C3A}</a:tableStyleId>
+              </a:tblPr>
+              <a:tblGrid>
+                <a:gridCol w="1219200"/>
+                <a:gridCol w="1219200"/>
+                <a:gridCol w="1219200"/>
+                <a:gridCol w="1219200"/>
+                <a:gridCol w="1219200"/>
+              </a:tblGrid>
+              <a:tr h="370840">
+                <a:tc>
+                  <a:txBody>
+                    <a:bodyPr/>
+                    <a:lstStyle/>
+                    <a:p>
+                      <a:endParaRPr lang="en-US" dirty="0"/>
+                    </a:p>
+                  </a:txBody>
+                  <a:tcPr/>
+                </a:tc>
+                <a:tc>
+                  <a:txBody>
+                    <a:bodyPr/>
+                    <a:lstStyle/>
+                    <a:p>
+                      <a:endParaRPr lang="en-US" dirty="0"/>
+                    </a:p>
+                  </a:txBody>
+                  <a:tcPr/>
+                </a:tc>
+                <a:tc>
+                  <a:txBody>
+                    <a:bodyPr/>
+                    <a:lstStyle/>
+                    <a:p>
+                      <a:r>
+                        <a:rPr lang="en-US" dirty="0" smtClean="0"/>
+                        <a:t>DY</a:t>
+                      </a:r>
+                      <a:endParaRPr lang="en-US" dirty="0"/>
+                    </a:p>
+                  </a:txBody>
+                  <a:tcPr/>
+                </a:tc>
+                <a:tc>
+                  <a:txBody>
+                    <a:bodyPr/>
+                    <a:lstStyle/>
+                    <a:p>
+                      <a:r>
+                        <a:rPr lang="en-US" dirty="0" smtClean="0"/>
+                        <a:t>IN</a:t>
+                      </a:r>
+                      <a:endParaRPr lang="en-US" dirty="0"/>
+                    </a:p>
+                  </a:txBody>
+                  <a:tcPr/>
+                </a:tc>
+                <a:tc>
+                  <a:txBody>
+                    <a:bodyPr/>
+                    <a:lstStyle/>
+                    <a:p>
+                      <a:r>
+                        <a:rPr lang="en-US" dirty="0" smtClean="0"/>
+                        <a:t>OU</a:t>
+                      </a:r>
+                      <a:endParaRPr lang="en-US" dirty="0"/>
+                    </a:p>
+                  </a:txBody>
+                  <a:tcPr/>
+                </a:tc>
+              </a:tr>
+              <a:tr h="370840">
+                <a:tc>
+                  <a:txBody>
+                    <a:bodyPr/>
+                    <a:lstStyle/>
+                    <a:p>
+                      <a:r>
+                        <a:rPr lang="en-US" dirty="0" smtClean="0"/>
+                        <a:t>1</a:t>
+                      </a:r>
+                      <a:endParaRPr lang="en-US" dirty="0"/>
+                    </a:p>
+                  </a:txBody>
+                  <a:tcPr/>
+                </a:tc>
+                <a:tc>
+                  <a:txBody>
+                    <a:bodyPr/>
+                    <a:lstStyle/>
+                    <a:p>
+                      <a:r>
+                        <a:rPr lang="en-US" dirty="0" smtClean="0"/>
+                        <a:t>2012</a:t>
+                      </a:r>
+                      <a:endParaRPr lang="en-US" dirty="0"/>
+                    </a:p>
+                  </a:txBody>
+                  <a:tcPr/>
+                </a:tc>
+                <a:tc>
+                  <a:txBody>
+                    <a:bodyPr/>
+                    <a:lstStyle/>
+                    <a:p>
+                      <a:r>
+                        <a:rPr lang="en-US" dirty="0" smtClean="0"/>
+                        <a:t>387</a:t>
+                      </a:r>
+                      <a:endParaRPr lang="en-US" dirty="0"/>
+                    </a:p>
+                  </a:txBody>
+                  <a:tcPr/>
+                </a:tc>
+                <a:tc>
+                  <a:txBody>
+                    <a:bodyPr/>
+                    <a:lstStyle/>
+                    <a:p>
+                      <a:r>
+                        <a:rPr lang="en-US" dirty="0" smtClean="0"/>
+                        <a:t>3055</a:t>
+                      </a:r>
+                      <a:endParaRPr lang="en-US" dirty="0"/>
+                    </a:p>
+                  </a:txBody>
+                  <a:tcPr/>
+                </a:tc>
+                <a:tc>
+                  <a:txBody>
+                    <a:bodyPr/>
+                    <a:lstStyle/>
+                    <a:p>
+                      <a:r>
+                        <a:rPr lang="en-US" dirty="0" smtClean="0"/>
+                        <a:t>48</a:t>
+                      </a:r>
+                      <a:endParaRPr lang="en-US" dirty="0"/>
+                    </a:p>
+                  </a:txBody>
+                  <a:tcPr/>
+                </a:tc>
+              </a:tr>
+              <a:tr h="370840">
+                <a:tc>
+                  <a:txBody>
+                    <a:bodyPr/>
+                    <a:lstStyle/>
+                    <a:p>
+                      <a:r>
+                        <a:rPr lang="en-US" dirty="0" smtClean="0"/>
+                        <a:t>2</a:t>
+                      </a:r>
+                      <a:endParaRPr lang="en-US" dirty="0"/>
+                    </a:p>
+                  </a:txBody>
+                  <a:tcPr/>
+                </a:tc>
+                <a:tc>
+                  <a:txBody>
+                    <a:bodyPr/>
+                    <a:lstStyle/>
+                    <a:p>
+                      <a:r>
+                        <a:rPr lang="en-US" dirty="0" smtClean="0"/>
+                        <a:t>3190</a:t>
+                      </a:r>
+                      <a:endParaRPr lang="en-US" dirty="0"/>
+                    </a:p>
+                  </a:txBody>
+                  <a:tcPr/>
+                </a:tc>
+                <a:tc>
+                  <a:txBody>
+                    <a:bodyPr/>
+                    <a:lstStyle/>
+                    <a:p>
+                      <a:r>
+                        <a:rPr lang="en-US" dirty="0" smtClean="0"/>
+                        <a:t>2031</a:t>
+                      </a:r>
+                      <a:endParaRPr lang="en-US" dirty="0"/>
+                    </a:p>
+                  </a:txBody>
+                  <a:tcPr/>
+                </a:tc>
+                <a:tc>
+                  <a:txBody>
+                    <a:bodyPr/>
+                    <a:lstStyle/>
+                    <a:p>
+                      <a:r>
+                        <a:rPr lang="en-US" dirty="0" smtClean="0"/>
+                        <a:t>3534</a:t>
+                      </a:r>
+                      <a:endParaRPr lang="en-US" dirty="0"/>
+                    </a:p>
+                  </a:txBody>
+                  <a:tcPr/>
+                </a:tc>
+                <a:tc>
+                  <a:txBody>
+                    <a:bodyPr/>
+                    <a:lstStyle/>
+                    <a:p>
+                      <a:r>
+                        <a:rPr lang="en-US" dirty="0" smtClean="0"/>
+                        <a:t>198</a:t>
+                      </a:r>
+                      <a:endParaRPr lang="en-US" dirty="0"/>
+                    </a:p>
+                  </a:txBody>
+                  <a:tcPr/>
+                </a:tc>
+              </a:tr>
+              <a:tr h="370840">
+                <a:tc>
+                  <a:txBody>
+                    <a:bodyPr/>
+                    <a:lstStyle/>
+                    <a:p>
+                      <a:r>
+                        <a:rPr lang="en-US" dirty="0" smtClean="0"/>
+                        <a:t>3</a:t>
+                      </a:r>
+                      <a:endParaRPr lang="en-US" dirty="0"/>
+                    </a:p>
+                  </a:txBody>
+                  <a:tcPr/>
+                </a:tc>
+                <a:tc>
+                  <a:txBody>
+                    <a:bodyPr/>
+                    <a:lstStyle/>
+                    <a:p>
+                      <a:r>
+                        <a:rPr lang="en-US" dirty="0" smtClean="0"/>
+                        <a:t>2781</a:t>
+                      </a:r>
+                      <a:endParaRPr lang="en-US" dirty="0"/>
+                    </a:p>
+                  </a:txBody>
+                  <a:tcPr/>
+                </a:tc>
+                <a:tc>
+                  <a:txBody>
+                    <a:bodyPr/>
+                    <a:lstStyle/>
+                    <a:p>
+                      <a:r>
+                        <a:rPr lang="en-US" dirty="0" smtClean="0"/>
+                        <a:t>2140</a:t>
+                      </a:r>
+                      <a:endParaRPr lang="en-US" dirty="0"/>
+                    </a:p>
+                  </a:txBody>
+                  <a:tcPr/>
+                </a:tc>
+                <a:tc>
+                  <a:txBody>
+                    <a:bodyPr/>
+                    <a:lstStyle/>
+                    <a:p>
+                      <a:r>
+                        <a:rPr lang="en-US" dirty="0" smtClean="0"/>
+                        <a:t>2957</a:t>
+                      </a:r>
+                      <a:endParaRPr lang="en-US" dirty="0"/>
+                    </a:p>
+                  </a:txBody>
+                  <a:tcPr/>
+                </a:tc>
+                <a:tc>
+                  <a:txBody>
+                    <a:bodyPr/>
+                    <a:lstStyle/>
+                    <a:p>
+                      <a:r>
+                        <a:rPr lang="en-US" dirty="0" smtClean="0"/>
+                        <a:t>677</a:t>
+                      </a:r>
+                      <a:endParaRPr lang="en-US" dirty="0"/>
+                    </a:p>
+                  </a:txBody>
+                  <a:tcPr/>
+                </a:tc>
+              </a:tr>
+              <a:tr h="370840">
+                <a:tc>
+                  <a:txBody>
+                    <a:bodyPr/>
+                    <a:lstStyle/>
+                    <a:p>
+                      <a:r>
+                        <a:rPr lang="en-US" dirty="0" smtClean="0"/>
+                        <a:t>4</a:t>
+                      </a:r>
+                      <a:endParaRPr lang="en-US" dirty="0"/>
+                    </a:p>
+                  </a:txBody>
+                  <a:tcPr/>
+                </a:tc>
+                <a:tc>
+                  <a:txBody>
+                    <a:bodyPr/>
+                    <a:lstStyle/>
+                    <a:p>
+                      <a:r>
+                        <a:rPr lang="en-US" dirty="0" smtClean="0"/>
+                        <a:t>674</a:t>
+                      </a:r>
+                      <a:endParaRPr lang="en-US" dirty="0"/>
+                    </a:p>
+                  </a:txBody>
+                  <a:tcPr/>
+                </a:tc>
+                <a:tc>
+                  <a:txBody>
+                    <a:bodyPr/>
+                    <a:lstStyle/>
+                    <a:p>
+                      <a:r>
+                        <a:rPr lang="en-US" dirty="0" smtClean="0"/>
+                        <a:t>480</a:t>
+                      </a:r>
+                      <a:endParaRPr lang="en-US" dirty="0"/>
+                    </a:p>
+                  </a:txBody>
+                  <a:tcPr/>
+                </a:tc>
+                <a:tc>
+                  <a:txBody>
+                    <a:bodyPr/>
+                    <a:lstStyle/>
+                    <a:p>
+                      <a:r>
+                        <a:rPr lang="en-US" dirty="0" smtClean="0"/>
+                        <a:t>594</a:t>
+                      </a:r>
+                      <a:endParaRPr lang="en-US" dirty="0"/>
+                    </a:p>
+                  </a:txBody>
+                  <a:tcPr/>
+                </a:tc>
+                <a:tc>
+                  <a:txBody>
+                    <a:bodyPr/>
+                    <a:lstStyle/>
+                    <a:p>
+                      <a:r>
+                        <a:rPr lang="en-US" dirty="0" smtClean="0"/>
+                        <a:t>250</a:t>
+                      </a:r>
+                      <a:endParaRPr lang="en-US" dirty="0"/>
+                    </a:p>
+                  </a:txBody>
+                  <a:tcPr/>
+                </a:tc>
+              </a:tr>
+            </a:tbl>
+          </a:graphicData>
+        </a:graphic>
+      </p:graphicFrame>
+      <p:sp>
+        <p:nvSpPr>
+          <p:cNvPr id="2" name="Right Brace 1"/>
+          <p:cNvSpPr/>
+          <p:nvPr/>
+        </p:nvSpPr>
+        <p:spPr>
+          <a:xfrm>
+            <a:off x="683568" y="1124744"/>
+            <a:ext cx="504056" cy="4464496"/>
+          </a:xfrm>
+          <a:prstGeom prst="rightBrace">
+            <a:avLst/>
+          </a:prstGeom>
+        </p:spPr>
+        <p:style>
+          <a:lnRef idx="1">
+            <a:schemeClr val="accent1"/>
+          </a:lnRef>
+          <a:fillRef idx="0">
+            <a:schemeClr val="accent1"/>
+          </a:fillRef>
+          <a:effectRef idx="0">
+            <a:schemeClr val="accent1"/>
+          </a:effectRef>
+          <a:fontRef idx="minor">
+            <a:schemeClr val="tx1"/>
+          </a:fontRef>
+        </p:style>
+        <p:txBody>
+          <a:bodyPr rtlCol="0" anchor="ctr"/>
+          <a:lstStyle/>
+          <a:p>
+            <a:pPr algn="ctr"/>
+            <a:endParaRPr lang="en-US"/>
+          </a:p>
+        </p:txBody>
+      </p:sp>
+    </p:spTree>
+    <p:extLst>
+      <p:ext uri="{BB962C8B-B14F-4D97-AF65-F5344CB8AC3E}">
+        <p14:creationId xmlns:p14="http://schemas.microsoft.com/office/powerpoint/2010/main" val="1020184270"/>
+      </p:ext>
+    </p:extLst>
+  </p:cSld>
+  <p:clrMapOvr>
+    <a:masterClrMapping/>
+  </p:clrMapOvr>
+  <p:timing>
+    <p:tnLst>
+      <p:par>
+        <p:cTn id="1" dur="indefinite" restart="never" nodeType="tmRoot"/>
+      </p:par>
+    </p:tnLst>
+  </p:timing>
+</p:sld>
+</file>
+
 <file path=ppt/slides/slide2.xml><?xml version="1.0" encoding="utf-8"?>
 <p:sld xmlns:a="http://schemas.openxmlformats.org/drawingml/2006/main" xmlns:r="http://schemas.openxmlformats.org/officeDocument/2006/relationships" xmlns:p="http://schemas.openxmlformats.org/presentationml/2006/main">
   <p:cSld>
@@ -4688,6 +5192,13 @@
   <p:clrMapOvr>
     <a:masterClrMapping/>
   </p:clrMapOvr>
+  <p:timing>
+    <p:tnLst>
+      <p:par>
+        <p:cTn id="1" dur="indefinite" restart="never" nodeType="tmRoot"/>
+      </p:par>
+    </p:tnLst>
+  </p:timing>
 </p:sld>
 </file>
 
@@ -4822,6 +5333,13 @@
   <p:clrMapOvr>
     <a:masterClrMapping/>
   </p:clrMapOvr>
+  <p:timing>
+    <p:tnLst>
+      <p:par>
+        <p:cTn id="1" dur="indefinite" restart="never" nodeType="tmRoot"/>
+      </p:par>
+    </p:tnLst>
+  </p:timing>
 </p:sld>
 </file>
 
@@ -5020,6 +5538,13 @@
   <p:clrMapOvr>
     <a:masterClrMapping/>
   </p:clrMapOvr>
+  <p:timing>
+    <p:tnLst>
+      <p:par>
+        <p:cTn id="1" dur="indefinite" restart="never" nodeType="tmRoot"/>
+      </p:par>
+    </p:tnLst>
+  </p:timing>
 </p:sld>
 </file>
 
